--- a/Report#07/오픈소스전문프로젝트 최종 결과 보고.pptx
+++ b/Report#07/오픈소스전문프로젝트 최종 결과 보고.pptx
@@ -13,6 +13,7 @@
     <p:sldId id="261" r:id="rId7"/>
     <p:sldId id="262" r:id="rId8"/>
     <p:sldId id="263" r:id="rId9"/>
+    <p:sldId id="264" r:id="rId10"/>
   </p:sldIdLst>
   <p:sldSz cx="12192000" cy="6858000"/>
   <p:notesSz cx="6858000" cy="9144000"/>
@@ -6131,6 +6132,52 @@
           <a:chExt cx="0" cy="0"/>
         </a:xfrm>
       </p:grpSpPr>
+      <p:sp>
+        <p:nvSpPr>
+          <p:cNvPr id="4" name="직사각형 3"/>
+          <p:cNvSpPr/>
+          <p:nvPr/>
+        </p:nvSpPr>
+        <p:spPr>
+          <a:xfrm>
+            <a:off x="4054764" y="767678"/>
+            <a:ext cx="7296727" cy="2124364"/>
+          </a:xfrm>
+          <a:prstGeom prst="rect">
+            <a:avLst/>
+          </a:prstGeom>
+          <a:solidFill>
+            <a:schemeClr val="bg1"/>
+          </a:solidFill>
+          <a:ln>
+            <a:noFill/>
+          </a:ln>
+        </p:spPr>
+        <p:style>
+          <a:lnRef idx="2">
+            <a:schemeClr val="accent1">
+              <a:shade val="50000"/>
+            </a:schemeClr>
+          </a:lnRef>
+          <a:fillRef idx="1">
+            <a:schemeClr val="accent1"/>
+          </a:fillRef>
+          <a:effectRef idx="0">
+            <a:schemeClr val="accent1"/>
+          </a:effectRef>
+          <a:fontRef idx="minor">
+            <a:schemeClr val="lt1"/>
+          </a:fontRef>
+        </p:style>
+        <p:txBody>
+          <a:bodyPr rtlCol="0" anchor="ctr"/>
+          <a:lstStyle/>
+          <a:p>
+            <a:pPr algn="ctr"/>
+            <a:endParaRPr lang="ko-KR" altLang="en-US"/>
+          </a:p>
+        </p:txBody>
+      </p:sp>
       <p:cxnSp>
         <p:nvCxnSpPr>
           <p:cNvPr id="18" name="직선 화살표 연결선 17">
@@ -6490,6 +6537,320 @@
           <a:p>
             <a:pPr algn="ctr"/>
             <a:endParaRPr lang="ko-KR" altLang="en-US"/>
+          </a:p>
+        </p:txBody>
+      </p:sp>
+      <p:pic>
+        <p:nvPicPr>
+          <p:cNvPr id="1025" name="_x381261304" descr="EMB0000273c4845"/>
+          <p:cNvPicPr>
+            <a:picLocks noChangeAspect="1" noChangeArrowheads="1"/>
+          </p:cNvPicPr>
+          <p:nvPr/>
+        </p:nvPicPr>
+        <p:blipFill>
+          <a:blip r:embed="rId2">
+            <a:extLst>
+              <a:ext uri="{28A0092B-C50C-407E-A947-70E740481C1C}">
+                <a14:useLocalDpi xmlns:a14="http://schemas.microsoft.com/office/drawing/2010/main" val="0"/>
+              </a:ext>
+            </a:extLst>
+          </a:blip>
+          <a:srcRect/>
+          <a:stretch>
+            <a:fillRect/>
+          </a:stretch>
+        </p:blipFill>
+        <p:spPr bwMode="auto">
+          <a:xfrm>
+            <a:off x="4399669" y="979882"/>
+            <a:ext cx="6652664" cy="1635069"/>
+          </a:xfrm>
+          <a:prstGeom prst="rect">
+            <a:avLst/>
+          </a:prstGeom>
+          <a:solidFill>
+            <a:schemeClr val="bg1"/>
+          </a:solidFill>
+        </p:spPr>
+      </p:pic>
+      <p:sp>
+        <p:nvSpPr>
+          <p:cNvPr id="3" name="직사각형 2"/>
+          <p:cNvSpPr/>
+          <p:nvPr/>
+        </p:nvSpPr>
+        <p:spPr>
+          <a:xfrm>
+            <a:off x="3493317" y="3634088"/>
+            <a:ext cx="2108269" cy="505203"/>
+          </a:xfrm>
+          <a:prstGeom prst="rect">
+            <a:avLst/>
+          </a:prstGeom>
+        </p:spPr>
+        <p:txBody>
+          <a:bodyPr wrap="none">
+            <a:spAutoFit/>
+          </a:bodyPr>
+          <a:lstStyle/>
+          <a:p>
+            <a:pPr marL="254000" algn="just" fontAlgn="base">
+              <a:lnSpc>
+                <a:spcPct val="160000"/>
+              </a:lnSpc>
+            </a:pPr>
+            <a:r>
+              <a:rPr lang="ko-KR" altLang="en-US" sz="2000" b="1" kern="0" dirty="0">
+                <a:solidFill>
+                  <a:schemeClr val="bg1"/>
+                </a:solidFill>
+                <a:latin typeface="돋움체" panose="020B0609000101010101" pitchFamily="49" charset="-127"/>
+                <a:ea typeface="돋움체" panose="020B0609000101010101" pitchFamily="49" charset="-127"/>
+              </a:rPr>
+              <a:t>서버 구성요소</a:t>
+            </a:r>
+            <a:endParaRPr lang="ko-KR" altLang="en-US" sz="2000" b="1" kern="0" dirty="0">
+              <a:solidFill>
+                <a:schemeClr val="bg1"/>
+              </a:solidFill>
+              <a:latin typeface="돋움체" panose="020B0609000101010101" pitchFamily="49" charset="-127"/>
+            </a:endParaRPr>
+          </a:p>
+        </p:txBody>
+      </p:sp>
+      <p:sp>
+        <p:nvSpPr>
+          <p:cNvPr id="5" name="TextBox 4"/>
+          <p:cNvSpPr txBox="1"/>
+          <p:nvPr/>
+        </p:nvSpPr>
+        <p:spPr>
+          <a:xfrm>
+            <a:off x="4399669" y="4178206"/>
+            <a:ext cx="6652664" cy="1477328"/>
+          </a:xfrm>
+          <a:prstGeom prst="rect">
+            <a:avLst/>
+          </a:prstGeom>
+          <a:noFill/>
+        </p:spPr>
+        <p:txBody>
+          <a:bodyPr wrap="square" rtlCol="0">
+            <a:spAutoFit/>
+          </a:bodyPr>
+          <a:lstStyle/>
+          <a:p>
+            <a:pPr>
+              <a:lnSpc>
+                <a:spcPct val="150000"/>
+              </a:lnSpc>
+            </a:pPr>
+            <a:r>
+              <a:rPr lang="en-US" altLang="ko-KR" sz="2000" b="1" dirty="0" err="1" smtClean="0">
+                <a:solidFill>
+                  <a:schemeClr val="bg1"/>
+                </a:solidFill>
+              </a:rPr>
+              <a:t>Ngnix</a:t>
+            </a:r>
+            <a:r>
+              <a:rPr lang="en-US" altLang="ko-KR" sz="2000" dirty="0" smtClean="0">
+                <a:solidFill>
+                  <a:schemeClr val="bg1"/>
+                </a:solidFill>
+              </a:rPr>
+              <a:t>: </a:t>
+            </a:r>
+            <a:r>
+              <a:rPr lang="en-US" altLang="ko-KR" dirty="0">
+                <a:solidFill>
+                  <a:schemeClr val="bg1"/>
+                </a:solidFill>
+              </a:rPr>
+              <a:t>Nginx</a:t>
+            </a:r>
+            <a:r>
+              <a:rPr lang="ko-KR" altLang="en-US" dirty="0">
+                <a:solidFill>
+                  <a:schemeClr val="bg1"/>
+                </a:solidFill>
+              </a:rPr>
+              <a:t>는 </a:t>
+            </a:r>
+            <a:r>
+              <a:rPr lang="ko-KR" altLang="en-US" dirty="0" err="1" smtClean="0">
+                <a:solidFill>
+                  <a:schemeClr val="bg1"/>
+                </a:solidFill>
+              </a:rPr>
+              <a:t>웹서버</a:t>
+            </a:r>
+            <a:endParaRPr lang="en-US" altLang="ko-KR" sz="2000" dirty="0" smtClean="0">
+              <a:solidFill>
+                <a:schemeClr val="bg1"/>
+              </a:solidFill>
+            </a:endParaRPr>
+          </a:p>
+          <a:p>
+            <a:pPr>
+              <a:lnSpc>
+                <a:spcPct val="150000"/>
+              </a:lnSpc>
+            </a:pPr>
+            <a:r>
+              <a:rPr lang="en-US" altLang="ko-KR" sz="2000" b="1" dirty="0" err="1" smtClean="0">
+                <a:solidFill>
+                  <a:schemeClr val="bg1"/>
+                </a:solidFill>
+              </a:rPr>
+              <a:t>uWGSI</a:t>
+            </a:r>
+            <a:r>
+              <a:rPr lang="en-US" altLang="ko-KR" sz="2000" dirty="0" smtClean="0">
+                <a:solidFill>
+                  <a:schemeClr val="bg1"/>
+                </a:solidFill>
+              </a:rPr>
+              <a:t>: </a:t>
+            </a:r>
+            <a:r>
+              <a:rPr lang="en-US" altLang="ko-KR" dirty="0" err="1">
+                <a:solidFill>
+                  <a:schemeClr val="bg1"/>
+                </a:solidFill>
+              </a:rPr>
+              <a:t>uWSGI</a:t>
+            </a:r>
+            <a:r>
+              <a:rPr lang="ko-KR" altLang="en-US" dirty="0">
+                <a:solidFill>
+                  <a:schemeClr val="bg1"/>
+                </a:solidFill>
+              </a:rPr>
+              <a:t>는 </a:t>
+            </a:r>
+            <a:r>
+              <a:rPr lang="ko-KR" altLang="en-US" dirty="0" err="1">
+                <a:solidFill>
+                  <a:schemeClr val="bg1"/>
+                </a:solidFill>
+              </a:rPr>
+              <a:t>파이썬</a:t>
+            </a:r>
+            <a:r>
+              <a:rPr lang="ko-KR" altLang="en-US" dirty="0">
+                <a:solidFill>
+                  <a:schemeClr val="bg1"/>
+                </a:solidFill>
+              </a:rPr>
+              <a:t> </a:t>
+            </a:r>
+            <a:r>
+              <a:rPr lang="en-US" altLang="ko-KR" dirty="0">
+                <a:solidFill>
+                  <a:schemeClr val="bg1"/>
+                </a:solidFill>
+              </a:rPr>
+              <a:t>WSGI</a:t>
+            </a:r>
+            <a:r>
+              <a:rPr lang="ko-KR" altLang="en-US" dirty="0" err="1">
+                <a:solidFill>
+                  <a:schemeClr val="bg1"/>
+                </a:solidFill>
+              </a:rPr>
+              <a:t>서버중</a:t>
+            </a:r>
+            <a:r>
+              <a:rPr lang="ko-KR" altLang="en-US" dirty="0">
+                <a:solidFill>
+                  <a:schemeClr val="bg1"/>
+                </a:solidFill>
+              </a:rPr>
+              <a:t> </a:t>
+            </a:r>
+            <a:r>
+              <a:rPr lang="ko-KR" altLang="en-US" dirty="0" smtClean="0">
+                <a:solidFill>
+                  <a:schemeClr val="bg1"/>
+                </a:solidFill>
+              </a:rPr>
+              <a:t>한가지</a:t>
+            </a:r>
+            <a:endParaRPr lang="en-US" altLang="ko-KR" sz="2000" dirty="0" smtClean="0">
+              <a:solidFill>
+                <a:schemeClr val="bg1"/>
+              </a:solidFill>
+            </a:endParaRPr>
+          </a:p>
+          <a:p>
+            <a:pPr>
+              <a:lnSpc>
+                <a:spcPct val="150000"/>
+              </a:lnSpc>
+            </a:pPr>
+            <a:r>
+              <a:rPr lang="en-US" altLang="ko-KR" sz="2000" b="1" dirty="0" smtClean="0">
+                <a:solidFill>
+                  <a:schemeClr val="bg1"/>
+                </a:solidFill>
+              </a:rPr>
+              <a:t>Django</a:t>
+            </a:r>
+            <a:r>
+              <a:rPr lang="en-US" altLang="ko-KR" sz="2000" dirty="0" smtClean="0">
+                <a:solidFill>
+                  <a:schemeClr val="bg1"/>
+                </a:solidFill>
+              </a:rPr>
+              <a:t>: </a:t>
+            </a:r>
+            <a:r>
+              <a:rPr lang="en-US" altLang="ko-KR" dirty="0">
+                <a:solidFill>
+                  <a:schemeClr val="bg1"/>
+                </a:solidFill>
+              </a:rPr>
+              <a:t>Django</a:t>
+            </a:r>
+            <a:r>
+              <a:rPr lang="ko-KR" altLang="en-US" dirty="0">
+                <a:solidFill>
+                  <a:schemeClr val="bg1"/>
+                </a:solidFill>
+              </a:rPr>
+              <a:t>는 </a:t>
+            </a:r>
+            <a:r>
+              <a:rPr lang="ko-KR" altLang="en-US" dirty="0" err="1">
+                <a:solidFill>
+                  <a:schemeClr val="bg1"/>
+                </a:solidFill>
+              </a:rPr>
+              <a:t>파이썬</a:t>
+            </a:r>
+            <a:r>
+              <a:rPr lang="ko-KR" altLang="en-US" dirty="0">
+                <a:solidFill>
+                  <a:schemeClr val="bg1"/>
+                </a:solidFill>
+              </a:rPr>
+              <a:t> 웹 어플리케이션 </a:t>
+            </a:r>
+            <a:r>
+              <a:rPr lang="ko-KR" altLang="en-US" dirty="0" smtClean="0">
+                <a:solidFill>
+                  <a:schemeClr val="bg1"/>
+                </a:solidFill>
+              </a:rPr>
+              <a:t>프레임워크</a:t>
+            </a:r>
+            <a:endParaRPr lang="ko-KR" altLang="en-US" dirty="0">
+              <a:solidFill>
+                <a:schemeClr val="bg1"/>
+              </a:solidFill>
+            </a:endParaRPr>
           </a:p>
         </p:txBody>
       </p:sp>
@@ -6893,6 +7254,334 @@
           </a:p>
         </p:txBody>
       </p:sp>
+      <p:pic>
+        <p:nvPicPr>
+          <p:cNvPr id="2051" name="_x381262664" descr="EMB0000273c4852"/>
+          <p:cNvPicPr>
+            <a:picLocks noChangeAspect="1" noChangeArrowheads="1"/>
+          </p:cNvPicPr>
+          <p:nvPr/>
+        </p:nvPicPr>
+        <p:blipFill>
+          <a:blip r:embed="rId2" cstate="print">
+            <a:extLst>
+              <a:ext uri="{28A0092B-C50C-407E-A947-70E740481C1C}">
+                <a14:useLocalDpi xmlns:a14="http://schemas.microsoft.com/office/drawing/2010/main" val="0"/>
+              </a:ext>
+            </a:extLst>
+          </a:blip>
+          <a:srcRect/>
+          <a:stretch>
+            <a:fillRect/>
+          </a:stretch>
+        </p:blipFill>
+        <p:spPr bwMode="auto">
+          <a:xfrm>
+            <a:off x="5246255" y="501653"/>
+            <a:ext cx="1528763" cy="2987675"/>
+          </a:xfrm>
+          <a:prstGeom prst="rect">
+            <a:avLst/>
+          </a:prstGeom>
+          <a:noFill/>
+          <a:extLst>
+            <a:ext uri="{909E8E84-426E-40DD-AFC4-6F175D3DCCD1}">
+              <a14:hiddenFill xmlns:a14="http://schemas.microsoft.com/office/drawing/2010/main">
+                <a:solidFill>
+                  <a:srgbClr val="FFFFFF"/>
+                </a:solidFill>
+              </a14:hiddenFill>
+            </a:ext>
+          </a:extLst>
+        </p:spPr>
+      </p:pic>
+      <p:pic>
+        <p:nvPicPr>
+          <p:cNvPr id="2050" name="_x381255784" descr="EMB0000273c4853"/>
+          <p:cNvPicPr>
+            <a:picLocks noChangeAspect="1" noChangeArrowheads="1"/>
+          </p:cNvPicPr>
+          <p:nvPr/>
+        </p:nvPicPr>
+        <p:blipFill>
+          <a:blip r:embed="rId3" cstate="print">
+            <a:extLst>
+              <a:ext uri="{28A0092B-C50C-407E-A947-70E740481C1C}">
+                <a14:useLocalDpi xmlns:a14="http://schemas.microsoft.com/office/drawing/2010/main" val="0"/>
+              </a:ext>
+            </a:extLst>
+          </a:blip>
+          <a:srcRect/>
+          <a:stretch>
+            <a:fillRect/>
+          </a:stretch>
+        </p:blipFill>
+        <p:spPr bwMode="auto">
+          <a:xfrm>
+            <a:off x="6775018" y="501653"/>
+            <a:ext cx="1511300" cy="2987675"/>
+          </a:xfrm>
+          <a:prstGeom prst="rect">
+            <a:avLst/>
+          </a:prstGeom>
+          <a:noFill/>
+          <a:extLst>
+            <a:ext uri="{909E8E84-426E-40DD-AFC4-6F175D3DCCD1}">
+              <a14:hiddenFill xmlns:a14="http://schemas.microsoft.com/office/drawing/2010/main">
+                <a:solidFill>
+                  <a:srgbClr val="FFFFFF"/>
+                </a:solidFill>
+              </a14:hiddenFill>
+            </a:ext>
+          </a:extLst>
+        </p:spPr>
+      </p:pic>
+      <p:pic>
+        <p:nvPicPr>
+          <p:cNvPr id="2049" name="_x381256744" descr="EMB0000273c4854"/>
+          <p:cNvPicPr>
+            <a:picLocks noChangeAspect="1" noChangeArrowheads="1"/>
+          </p:cNvPicPr>
+          <p:nvPr/>
+        </p:nvPicPr>
+        <p:blipFill>
+          <a:blip r:embed="rId4" cstate="print">
+            <a:extLst>
+              <a:ext uri="{28A0092B-C50C-407E-A947-70E740481C1C}">
+                <a14:useLocalDpi xmlns:a14="http://schemas.microsoft.com/office/drawing/2010/main" val="0"/>
+              </a:ext>
+            </a:extLst>
+          </a:blip>
+          <a:srcRect/>
+          <a:stretch>
+            <a:fillRect/>
+          </a:stretch>
+        </p:blipFill>
+        <p:spPr bwMode="auto">
+          <a:xfrm>
+            <a:off x="8285163" y="501653"/>
+            <a:ext cx="1511300" cy="2987675"/>
+          </a:xfrm>
+          <a:prstGeom prst="rect">
+            <a:avLst/>
+          </a:prstGeom>
+          <a:noFill/>
+          <a:extLst>
+            <a:ext uri="{909E8E84-426E-40DD-AFC4-6F175D3DCCD1}">
+              <a14:hiddenFill xmlns:a14="http://schemas.microsoft.com/office/drawing/2010/main">
+                <a:solidFill>
+                  <a:srgbClr val="FFFFFF"/>
+                </a:solidFill>
+              </a14:hiddenFill>
+            </a:ext>
+          </a:extLst>
+        </p:spPr>
+      </p:pic>
+      <p:pic>
+        <p:nvPicPr>
+          <p:cNvPr id="2057" name="_x381262424" descr="EMB0000273c4857"/>
+          <p:cNvPicPr>
+            <a:picLocks noChangeAspect="1" noChangeArrowheads="1"/>
+          </p:cNvPicPr>
+          <p:nvPr/>
+        </p:nvPicPr>
+        <p:blipFill>
+          <a:blip r:embed="rId5" cstate="print">
+            <a:extLst>
+              <a:ext uri="{28A0092B-C50C-407E-A947-70E740481C1C}">
+                <a14:useLocalDpi xmlns:a14="http://schemas.microsoft.com/office/drawing/2010/main" val="0"/>
+              </a:ext>
+            </a:extLst>
+          </a:blip>
+          <a:srcRect/>
+          <a:stretch>
+            <a:fillRect/>
+          </a:stretch>
+        </p:blipFill>
+        <p:spPr bwMode="auto">
+          <a:xfrm>
+            <a:off x="3898387" y="3679427"/>
+            <a:ext cx="1439863" cy="2916238"/>
+          </a:xfrm>
+          <a:prstGeom prst="rect">
+            <a:avLst/>
+          </a:prstGeom>
+          <a:noFill/>
+          <a:extLst>
+            <a:ext uri="{909E8E84-426E-40DD-AFC4-6F175D3DCCD1}">
+              <a14:hiddenFill xmlns:a14="http://schemas.microsoft.com/office/drawing/2010/main">
+                <a:solidFill>
+                  <a:srgbClr val="FFFFFF"/>
+                </a:solidFill>
+              </a14:hiddenFill>
+            </a:ext>
+          </a:extLst>
+        </p:spPr>
+      </p:pic>
+      <p:pic>
+        <p:nvPicPr>
+          <p:cNvPr id="2056" name="_x381255704" descr="EMB0000273c4858"/>
+          <p:cNvPicPr>
+            <a:picLocks noChangeAspect="1" noChangeArrowheads="1"/>
+          </p:cNvPicPr>
+          <p:nvPr/>
+        </p:nvPicPr>
+        <p:blipFill>
+          <a:blip r:embed="rId6" cstate="print">
+            <a:extLst>
+              <a:ext uri="{28A0092B-C50C-407E-A947-70E740481C1C}">
+                <a14:useLocalDpi xmlns:a14="http://schemas.microsoft.com/office/drawing/2010/main" val="0"/>
+              </a:ext>
+            </a:extLst>
+          </a:blip>
+          <a:srcRect/>
+          <a:stretch>
+            <a:fillRect/>
+          </a:stretch>
+        </p:blipFill>
+        <p:spPr bwMode="auto">
+          <a:xfrm>
+            <a:off x="5372099" y="3679428"/>
+            <a:ext cx="1439863" cy="2916237"/>
+          </a:xfrm>
+          <a:prstGeom prst="rect">
+            <a:avLst/>
+          </a:prstGeom>
+          <a:noFill/>
+          <a:extLst>
+            <a:ext uri="{909E8E84-426E-40DD-AFC4-6F175D3DCCD1}">
+              <a14:hiddenFill xmlns:a14="http://schemas.microsoft.com/office/drawing/2010/main">
+                <a:solidFill>
+                  <a:srgbClr val="FFFFFF"/>
+                </a:solidFill>
+              </a14:hiddenFill>
+            </a:ext>
+          </a:extLst>
+        </p:spPr>
+      </p:pic>
+      <p:pic>
+        <p:nvPicPr>
+          <p:cNvPr id="2055" name="_x381256584" descr="EMB0000273c4859"/>
+          <p:cNvPicPr>
+            <a:picLocks noChangeAspect="1" noChangeArrowheads="1"/>
+          </p:cNvPicPr>
+          <p:nvPr/>
+        </p:nvPicPr>
+        <p:blipFill>
+          <a:blip r:embed="rId7" cstate="print">
+            <a:extLst>
+              <a:ext uri="{28A0092B-C50C-407E-A947-70E740481C1C}">
+                <a14:useLocalDpi xmlns:a14="http://schemas.microsoft.com/office/drawing/2010/main" val="0"/>
+              </a:ext>
+            </a:extLst>
+          </a:blip>
+          <a:srcRect/>
+          <a:stretch>
+            <a:fillRect/>
+          </a:stretch>
+        </p:blipFill>
+        <p:spPr bwMode="auto">
+          <a:xfrm>
+            <a:off x="6847680" y="3679427"/>
+            <a:ext cx="1439863" cy="2916238"/>
+          </a:xfrm>
+          <a:prstGeom prst="rect">
+            <a:avLst/>
+          </a:prstGeom>
+          <a:noFill/>
+          <a:extLst>
+            <a:ext uri="{909E8E84-426E-40DD-AFC4-6F175D3DCCD1}">
+              <a14:hiddenFill xmlns:a14="http://schemas.microsoft.com/office/drawing/2010/main">
+                <a:solidFill>
+                  <a:srgbClr val="FFFFFF"/>
+                </a:solidFill>
+              </a14:hiddenFill>
+            </a:ext>
+          </a:extLst>
+        </p:spPr>
+      </p:pic>
+      <p:pic>
+        <p:nvPicPr>
+          <p:cNvPr id="2054" name="_x381256744" descr="EMB0000273c485a"/>
+          <p:cNvPicPr>
+            <a:picLocks noChangeAspect="1" noChangeArrowheads="1"/>
+          </p:cNvPicPr>
+          <p:nvPr/>
+        </p:nvPicPr>
+        <p:blipFill>
+          <a:blip r:embed="rId8" cstate="print">
+            <a:extLst>
+              <a:ext uri="{28A0092B-C50C-407E-A947-70E740481C1C}">
+                <a14:useLocalDpi xmlns:a14="http://schemas.microsoft.com/office/drawing/2010/main" val="0"/>
+              </a:ext>
+            </a:extLst>
+          </a:blip>
+          <a:srcRect/>
+          <a:stretch>
+            <a:fillRect/>
+          </a:stretch>
+        </p:blipFill>
+        <p:spPr bwMode="auto">
+          <a:xfrm>
+            <a:off x="8321392" y="3679428"/>
+            <a:ext cx="1439863" cy="2916237"/>
+          </a:xfrm>
+          <a:prstGeom prst="rect">
+            <a:avLst/>
+          </a:prstGeom>
+          <a:noFill/>
+          <a:extLst>
+            <a:ext uri="{909E8E84-426E-40DD-AFC4-6F175D3DCCD1}">
+              <a14:hiddenFill xmlns:a14="http://schemas.microsoft.com/office/drawing/2010/main">
+                <a:solidFill>
+                  <a:srgbClr val="FFFFFF"/>
+                </a:solidFill>
+              </a14:hiddenFill>
+            </a:ext>
+          </a:extLst>
+        </p:spPr>
+      </p:pic>
+      <p:pic>
+        <p:nvPicPr>
+          <p:cNvPr id="2053" name="_x381256024" descr="EMB0000273c485b"/>
+          <p:cNvPicPr>
+            <a:picLocks noChangeAspect="1" noChangeArrowheads="1"/>
+          </p:cNvPicPr>
+          <p:nvPr/>
+        </p:nvPicPr>
+        <p:blipFill>
+          <a:blip r:embed="rId9" cstate="print">
+            <a:extLst>
+              <a:ext uri="{28A0092B-C50C-407E-A947-70E740481C1C}">
+                <a14:useLocalDpi xmlns:a14="http://schemas.microsoft.com/office/drawing/2010/main" val="0"/>
+              </a:ext>
+            </a:extLst>
+          </a:blip>
+          <a:srcRect/>
+          <a:stretch>
+            <a:fillRect/>
+          </a:stretch>
+        </p:blipFill>
+        <p:spPr bwMode="auto">
+          <a:xfrm>
+            <a:off x="9805699" y="3679427"/>
+            <a:ext cx="1619754" cy="2916238"/>
+          </a:xfrm>
+          <a:prstGeom prst="rect">
+            <a:avLst/>
+          </a:prstGeom>
+          <a:noFill/>
+          <a:extLst>
+            <a:ext uri="{909E8E84-426E-40DD-AFC4-6F175D3DCCD1}">
+              <a14:hiddenFill xmlns:a14="http://schemas.microsoft.com/office/drawing/2010/main">
+                <a:solidFill>
+                  <a:srgbClr val="FFFFFF"/>
+                </a:solidFill>
+              </a14:hiddenFill>
+            </a:ext>
+          </a:extLst>
+        </p:spPr>
+      </p:pic>
     </p:spTree>
     <p:extLst>
       <p:ext uri="{BB962C8B-B14F-4D97-AF65-F5344CB8AC3E}">
@@ -7293,10 +7982,309 @@
           </a:p>
         </p:txBody>
       </p:sp>
+      <p:sp>
+        <p:nvSpPr>
+          <p:cNvPr id="2" name="직사각형 1"/>
+          <p:cNvSpPr/>
+          <p:nvPr/>
+        </p:nvSpPr>
+        <p:spPr>
+          <a:xfrm>
+            <a:off x="3676075" y="1221152"/>
+            <a:ext cx="7656944" cy="4031873"/>
+          </a:xfrm>
+          <a:prstGeom prst="rect">
+            <a:avLst/>
+          </a:prstGeom>
+        </p:spPr>
+        <p:txBody>
+          <a:bodyPr wrap="square">
+            <a:spAutoFit/>
+          </a:bodyPr>
+          <a:lstStyle/>
+          <a:p>
+            <a:pPr marL="254000" algn="just" fontAlgn="base">
+              <a:lnSpc>
+                <a:spcPct val="160000"/>
+              </a:lnSpc>
+            </a:pPr>
+            <a:r>
+              <a:rPr lang="ko-KR" altLang="en-US" sz="3200" b="1" kern="0" dirty="0">
+                <a:solidFill>
+                  <a:schemeClr val="bg1"/>
+                </a:solidFill>
+                <a:latin typeface="돋움체" panose="020B0609000101010101" pitchFamily="49" charset="-127"/>
+                <a:ea typeface="돋움체" panose="020B0609000101010101" pitchFamily="49" charset="-127"/>
+              </a:rPr>
+              <a:t>데이터분석</a:t>
+            </a:r>
+            <a:endParaRPr lang="ko-KR" altLang="en-US" sz="3200" b="1" kern="0" dirty="0">
+              <a:solidFill>
+                <a:schemeClr val="bg1"/>
+              </a:solidFill>
+              <a:latin typeface="돋움체" panose="020B0609000101010101" pitchFamily="49" charset="-127"/>
+            </a:endParaRPr>
+          </a:p>
+          <a:p>
+            <a:pPr algn="just" fontAlgn="base">
+              <a:lnSpc>
+                <a:spcPct val="160000"/>
+              </a:lnSpc>
+            </a:pPr>
+            <a:r>
+              <a:rPr lang="en-US" altLang="ko-KR" sz="2400" kern="0" dirty="0">
+                <a:solidFill>
+                  <a:schemeClr val="bg1"/>
+                </a:solidFill>
+                <a:latin typeface="돋움체" panose="020B0609000101010101" pitchFamily="49" charset="-127"/>
+                <a:ea typeface="돋움체" panose="020B0609000101010101" pitchFamily="49" charset="-127"/>
+              </a:rPr>
+              <a:t>1. </a:t>
+            </a:r>
+            <a:r>
+              <a:rPr lang="ko-KR" altLang="en-US" sz="2400" kern="0" dirty="0">
+                <a:solidFill>
+                  <a:schemeClr val="bg1"/>
+                </a:solidFill>
+                <a:latin typeface="돋움체" panose="020B0609000101010101" pitchFamily="49" charset="-127"/>
+                <a:ea typeface="돋움체" panose="020B0609000101010101" pitchFamily="49" charset="-127"/>
+              </a:rPr>
+              <a:t>더 의미 있는 </a:t>
+            </a:r>
+            <a:r>
+              <a:rPr lang="en-US" altLang="ko-KR" sz="2400" kern="0" dirty="0">
+                <a:solidFill>
+                  <a:schemeClr val="bg1"/>
+                </a:solidFill>
+                <a:latin typeface="돋움체" panose="020B0609000101010101" pitchFamily="49" charset="-127"/>
+                <a:ea typeface="돋움체" panose="020B0609000101010101" pitchFamily="49" charset="-127"/>
+              </a:rPr>
+              <a:t>Feature</a:t>
+            </a:r>
+            <a:r>
+              <a:rPr lang="ko-KR" altLang="en-US" sz="2400" kern="0" dirty="0">
+                <a:solidFill>
+                  <a:schemeClr val="bg1"/>
+                </a:solidFill>
+                <a:latin typeface="돋움체" panose="020B0609000101010101" pitchFamily="49" charset="-127"/>
+                <a:ea typeface="돋움체" panose="020B0609000101010101" pitchFamily="49" charset="-127"/>
+              </a:rPr>
+              <a:t>의 선택</a:t>
+            </a:r>
+            <a:endParaRPr lang="ko-KR" altLang="en-US" sz="2400" kern="0" dirty="0">
+              <a:solidFill>
+                <a:schemeClr val="bg1"/>
+              </a:solidFill>
+              <a:latin typeface="돋움체" panose="020B0609000101010101" pitchFamily="49" charset="-127"/>
+            </a:endParaRPr>
+          </a:p>
+          <a:p>
+            <a:pPr algn="just" fontAlgn="base">
+              <a:lnSpc>
+                <a:spcPct val="160000"/>
+              </a:lnSpc>
+            </a:pPr>
+            <a:r>
+              <a:rPr lang="en-US" altLang="ko-KR" sz="2400" kern="0" dirty="0" smtClean="0">
+                <a:solidFill>
+                  <a:schemeClr val="bg1"/>
+                </a:solidFill>
+                <a:latin typeface="돋움체" panose="020B0609000101010101" pitchFamily="49" charset="-127"/>
+                <a:ea typeface="돋움체" panose="020B0609000101010101" pitchFamily="49" charset="-127"/>
+              </a:rPr>
+              <a:t>2</a:t>
+            </a:r>
+            <a:r>
+              <a:rPr lang="en-US" altLang="ko-KR" sz="2400" kern="0" dirty="0">
+                <a:solidFill>
+                  <a:schemeClr val="bg1"/>
+                </a:solidFill>
+                <a:latin typeface="돋움체" panose="020B0609000101010101" pitchFamily="49" charset="-127"/>
+                <a:ea typeface="돋움체" panose="020B0609000101010101" pitchFamily="49" charset="-127"/>
+              </a:rPr>
+              <a:t>. </a:t>
+            </a:r>
+            <a:r>
+              <a:rPr lang="ko-KR" altLang="en-US" sz="2400" kern="0" dirty="0">
+                <a:solidFill>
+                  <a:schemeClr val="bg1"/>
+                </a:solidFill>
+                <a:latin typeface="돋움체" panose="020B0609000101010101" pitchFamily="49" charset="-127"/>
+                <a:ea typeface="돋움체" panose="020B0609000101010101" pitchFamily="49" charset="-127"/>
+              </a:rPr>
+              <a:t>정확도의 </a:t>
+            </a:r>
+            <a:r>
+              <a:rPr lang="ko-KR" altLang="en-US" sz="2400" kern="0" dirty="0" smtClean="0">
+                <a:solidFill>
+                  <a:schemeClr val="bg1"/>
+                </a:solidFill>
+                <a:latin typeface="돋움체" panose="020B0609000101010101" pitchFamily="49" charset="-127"/>
+                <a:ea typeface="돋움체" panose="020B0609000101010101" pitchFamily="49" charset="-127"/>
+              </a:rPr>
+              <a:t>구현</a:t>
+            </a:r>
+            <a:endParaRPr lang="en-US" altLang="ko-KR" sz="2400" kern="0" dirty="0" smtClean="0">
+              <a:solidFill>
+                <a:schemeClr val="bg1"/>
+              </a:solidFill>
+              <a:latin typeface="돋움체" panose="020B0609000101010101" pitchFamily="49" charset="-127"/>
+              <a:ea typeface="돋움체" panose="020B0609000101010101" pitchFamily="49" charset="-127"/>
+            </a:endParaRPr>
+          </a:p>
+          <a:p>
+            <a:pPr algn="just" fontAlgn="base">
+              <a:lnSpc>
+                <a:spcPct val="160000"/>
+              </a:lnSpc>
+            </a:pPr>
+            <a:endParaRPr lang="ko-KR" altLang="en-US" sz="2400" kern="0" dirty="0">
+              <a:solidFill>
+                <a:schemeClr val="bg1"/>
+              </a:solidFill>
+              <a:latin typeface="돋움체" panose="020B0609000101010101" pitchFamily="49" charset="-127"/>
+            </a:endParaRPr>
+          </a:p>
+          <a:p>
+            <a:pPr marL="254000" algn="just" fontAlgn="base">
+              <a:lnSpc>
+                <a:spcPct val="160000"/>
+              </a:lnSpc>
+            </a:pPr>
+            <a:r>
+              <a:rPr lang="ko-KR" altLang="en-US" sz="3200" b="1" kern="0" dirty="0" smtClean="0">
+                <a:solidFill>
+                  <a:schemeClr val="bg1"/>
+                </a:solidFill>
+                <a:latin typeface="돋움체" panose="020B0609000101010101" pitchFamily="49" charset="-127"/>
+                <a:ea typeface="돋움체" panose="020B0609000101010101" pitchFamily="49" charset="-127"/>
+              </a:rPr>
+              <a:t>어플리케이션</a:t>
+            </a:r>
+            <a:endParaRPr lang="ko-KR" altLang="en-US" sz="3200" b="1" kern="0" dirty="0">
+              <a:solidFill>
+                <a:schemeClr val="bg1"/>
+              </a:solidFill>
+              <a:latin typeface="돋움체" panose="020B0609000101010101" pitchFamily="49" charset="-127"/>
+            </a:endParaRPr>
+          </a:p>
+          <a:p>
+            <a:pPr marL="342900" lvl="0" indent="-342900" algn="just" fontAlgn="base">
+              <a:lnSpc>
+                <a:spcPct val="160000"/>
+              </a:lnSpc>
+              <a:buFont typeface="+mj-lt"/>
+              <a:buAutoNum type="arabicPeriod"/>
+            </a:pPr>
+            <a:r>
+              <a:rPr lang="ko-KR" altLang="en-US" sz="2400" kern="0" dirty="0">
+                <a:solidFill>
+                  <a:schemeClr val="bg1"/>
+                </a:solidFill>
+                <a:latin typeface="돋움체" panose="020B0609000101010101" pitchFamily="49" charset="-127"/>
+                <a:ea typeface="돋움체" panose="020B0609000101010101" pitchFamily="49" charset="-127"/>
+              </a:rPr>
+              <a:t>자동으로 자세를 인식하여 사진 찍는 기능의 </a:t>
+            </a:r>
+            <a:r>
+              <a:rPr lang="ko-KR" altLang="en-US" sz="2400" kern="0" dirty="0" smtClean="0">
+                <a:solidFill>
+                  <a:schemeClr val="bg1"/>
+                </a:solidFill>
+                <a:latin typeface="돋움체" panose="020B0609000101010101" pitchFamily="49" charset="-127"/>
+                <a:ea typeface="돋움체" panose="020B0609000101010101" pitchFamily="49" charset="-127"/>
+              </a:rPr>
+              <a:t>부재</a:t>
+            </a:r>
+            <a:endParaRPr lang="ko-KR" altLang="en-US" sz="2400" kern="0" dirty="0">
+              <a:solidFill>
+                <a:schemeClr val="bg1"/>
+              </a:solidFill>
+              <a:latin typeface="돋움체" panose="020B0609000101010101" pitchFamily="49" charset="-127"/>
+            </a:endParaRPr>
+          </a:p>
+        </p:txBody>
+      </p:sp>
     </p:spTree>
     <p:extLst>
       <p:ext uri="{BB962C8B-B14F-4D97-AF65-F5344CB8AC3E}">
         <p14:creationId xmlns:p14="http://schemas.microsoft.com/office/powerpoint/2010/main" val="449695245"/>
+      </p:ext>
+    </p:extLst>
+  </p:cSld>
+  <p:clrMapOvr>
+    <a:masterClrMapping/>
+  </p:clrMapOvr>
+</p:sld>
+</file>
+
+<file path=ppt/slides/slide9.xml><?xml version="1.0" encoding="utf-8"?>
+<p:sld xmlns:a="http://schemas.openxmlformats.org/drawingml/2006/main" xmlns:r="http://schemas.openxmlformats.org/officeDocument/2006/relationships" xmlns:p="http://schemas.openxmlformats.org/presentationml/2006/main">
+  <p:cSld>
+    <p:bg>
+      <p:bgPr>
+        <a:solidFill>
+          <a:schemeClr val="accent1"/>
+        </a:solidFill>
+        <a:effectLst/>
+      </p:bgPr>
+    </p:bg>
+    <p:spTree>
+      <p:nvGrpSpPr>
+        <p:cNvPr id="1" name=""/>
+        <p:cNvGrpSpPr/>
+        <p:nvPr/>
+      </p:nvGrpSpPr>
+      <p:grpSpPr>
+        <a:xfrm>
+          <a:off x="0" y="0"/>
+          <a:ext cx="0" cy="0"/>
+          <a:chOff x="0" y="0"/>
+          <a:chExt cx="0" cy="0"/>
+        </a:xfrm>
+      </p:grpSpPr>
+      <p:sp>
+        <p:nvSpPr>
+          <p:cNvPr id="3" name="TextBox 2"/>
+          <p:cNvSpPr txBox="1"/>
+          <p:nvPr/>
+        </p:nvSpPr>
+        <p:spPr>
+          <a:xfrm>
+            <a:off x="3814618" y="2733964"/>
+            <a:ext cx="4416594" cy="1107996"/>
+          </a:xfrm>
+          <a:prstGeom prst="rect">
+            <a:avLst/>
+          </a:prstGeom>
+          <a:noFill/>
+        </p:spPr>
+        <p:txBody>
+          <a:bodyPr wrap="none" rtlCol="0">
+            <a:spAutoFit/>
+          </a:bodyPr>
+          <a:lstStyle/>
+          <a:p>
+            <a:r>
+              <a:rPr lang="ko-KR" altLang="en-US" sz="6600" smtClean="0">
+                <a:solidFill>
+                  <a:schemeClr val="bg1"/>
+                </a:solidFill>
+              </a:rPr>
+              <a:t>감사합니다</a:t>
+            </a:r>
+            <a:endParaRPr lang="ko-KR" altLang="en-US" sz="6600">
+              <a:solidFill>
+                <a:schemeClr val="bg1"/>
+              </a:solidFill>
+            </a:endParaRPr>
+          </a:p>
+        </p:txBody>
+      </p:sp>
+    </p:spTree>
+    <p:extLst>
+      <p:ext uri="{BB962C8B-B14F-4D97-AF65-F5344CB8AC3E}">
+        <p14:creationId xmlns:p14="http://schemas.microsoft.com/office/powerpoint/2010/main" val="2389076316"/>
       </p:ext>
     </p:extLst>
   </p:cSld>
